--- a/Apresentacao/apr1.pptx
+++ b/Apresentacao/apr1.pptx
@@ -6,6 +6,7 @@
   </p:sldMasterIdLst>
   <p:sldIdLst>
     <p:sldId id="256" r:id="rId2"/>
+    <p:sldId id="257" r:id="rId3"/>
   </p:sldIdLst>
   <p:sldSz cx="12192000" cy="6858000"/>
   <p:notesSz cx="6858000" cy="9144000"/>
@@ -3921,6 +3922,293 @@
 </p:sld>
 </file>
 
+<file path=ppt/slides/slide2.xml><?xml version="1.0" encoding="utf-8"?>
+<p:sld xmlns:a="http://schemas.openxmlformats.org/drawingml/2006/main" xmlns:r="http://schemas.openxmlformats.org/officeDocument/2006/relationships" xmlns:p="http://schemas.openxmlformats.org/presentationml/2006/main">
+  <p:cSld>
+    <p:spTree>
+      <p:nvGrpSpPr>
+        <p:cNvPr id="1" name=""/>
+        <p:cNvGrpSpPr/>
+        <p:nvPr/>
+      </p:nvGrpSpPr>
+      <p:grpSpPr>
+        <a:xfrm>
+          <a:off x="0" y="0"/>
+          <a:ext cx="0" cy="0"/>
+          <a:chOff x="0" y="0"/>
+          <a:chExt cx="0" cy="0"/>
+        </a:xfrm>
+      </p:grpSpPr>
+      <p:sp>
+        <p:nvSpPr>
+          <p:cNvPr id="2" name="Título 1">
+            <a:extLst>
+              <a:ext uri="{FF2B5EF4-FFF2-40B4-BE49-F238E27FC236}">
+                <a16:creationId xmlns:a16="http://schemas.microsoft.com/office/drawing/2014/main" id="{14E30D65-4E2F-1B44-8B04-90EE4EF5E394}"/>
+              </a:ext>
+            </a:extLst>
+          </p:cNvPr>
+          <p:cNvSpPr>
+            <a:spLocks noGrp="1"/>
+          </p:cNvSpPr>
+          <p:nvPr>
+            <p:ph type="title"/>
+          </p:nvPr>
+        </p:nvSpPr>
+        <p:spPr/>
+        <p:txBody>
+          <a:bodyPr/>
+          <a:lstStyle/>
+          <a:p>
+            <a:pPr algn="ctr"/>
+            <a:r>
+              <a:rPr lang="pt-PT" dirty="0">
+                <a:latin typeface="Arial" panose="020B0604020202020204" pitchFamily="34" charset="0"/>
+                <a:cs typeface="Arial" panose="020B0604020202020204" pitchFamily="34" charset="0"/>
+              </a:rPr>
+              <a:t>Índice</a:t>
+            </a:r>
+          </a:p>
+        </p:txBody>
+      </p:sp>
+      <p:sp>
+        <p:nvSpPr>
+          <p:cNvPr id="3" name="Marcador de Posição de Conteúdo 2">
+            <a:extLst>
+              <a:ext uri="{FF2B5EF4-FFF2-40B4-BE49-F238E27FC236}">
+                <a16:creationId xmlns:a16="http://schemas.microsoft.com/office/drawing/2014/main" id="{372FCF75-F4CF-FF4B-A323-AAA7426A0D6B}"/>
+              </a:ext>
+            </a:extLst>
+          </p:cNvPr>
+          <p:cNvSpPr>
+            <a:spLocks noGrp="1"/>
+          </p:cNvSpPr>
+          <p:nvPr>
+            <p:ph idx="1"/>
+          </p:nvPr>
+        </p:nvSpPr>
+        <p:spPr>
+          <a:xfrm>
+            <a:off x="838200" y="2003755"/>
+            <a:ext cx="10515600" cy="3114510"/>
+          </a:xfrm>
+        </p:spPr>
+        <p:txBody>
+          <a:bodyPr/>
+          <a:lstStyle/>
+          <a:p>
+            <a:pPr marL="431800" indent="-323850">
+              <a:buSzPct val="45000"/>
+              <a:buFont typeface="Wingdings" pitchFamily="2" charset="2"/>
+              <a:buChar char=""/>
+              <a:tabLst>
+                <a:tab pos="449263" algn="l"/>
+                <a:tab pos="898525" algn="l"/>
+                <a:tab pos="1347788" algn="l"/>
+                <a:tab pos="1797050" algn="l"/>
+                <a:tab pos="2246313" algn="l"/>
+                <a:tab pos="2695575" algn="l"/>
+                <a:tab pos="3144838" algn="l"/>
+                <a:tab pos="3594100" algn="l"/>
+                <a:tab pos="4043363" algn="l"/>
+                <a:tab pos="4492625" algn="l"/>
+                <a:tab pos="4941888" algn="l"/>
+                <a:tab pos="5391150" algn="l"/>
+                <a:tab pos="5840413" algn="l"/>
+                <a:tab pos="6289675" algn="l"/>
+                <a:tab pos="6738938" algn="l"/>
+                <a:tab pos="7188200" algn="l"/>
+                <a:tab pos="7637463" algn="l"/>
+                <a:tab pos="8086725" algn="l"/>
+                <a:tab pos="8535988" algn="l"/>
+                <a:tab pos="8985250" algn="l"/>
+              </a:tabLst>
+            </a:pPr>
+            <a:r>
+              <a:rPr lang="pt-PT" altLang="pt-PT" dirty="0"/>
+              <a:t>Enquadramento</a:t>
+            </a:r>
+          </a:p>
+          <a:p>
+            <a:pPr marL="431800" indent="-323850">
+              <a:buSzPct val="45000"/>
+              <a:buFont typeface="Wingdings" pitchFamily="2" charset="2"/>
+              <a:buChar char=""/>
+              <a:tabLst>
+                <a:tab pos="449263" algn="l"/>
+                <a:tab pos="898525" algn="l"/>
+                <a:tab pos="1347788" algn="l"/>
+                <a:tab pos="1797050" algn="l"/>
+                <a:tab pos="2246313" algn="l"/>
+                <a:tab pos="2695575" algn="l"/>
+                <a:tab pos="3144838" algn="l"/>
+                <a:tab pos="3594100" algn="l"/>
+                <a:tab pos="4043363" algn="l"/>
+                <a:tab pos="4492625" algn="l"/>
+                <a:tab pos="4941888" algn="l"/>
+                <a:tab pos="5391150" algn="l"/>
+                <a:tab pos="5840413" algn="l"/>
+                <a:tab pos="6289675" algn="l"/>
+                <a:tab pos="6738938" algn="l"/>
+                <a:tab pos="7188200" algn="l"/>
+                <a:tab pos="7637463" algn="l"/>
+                <a:tab pos="8086725" algn="l"/>
+                <a:tab pos="8535988" algn="l"/>
+                <a:tab pos="8985250" algn="l"/>
+              </a:tabLst>
+            </a:pPr>
+            <a:r>
+              <a:rPr lang="pt-PT" altLang="pt-PT" dirty="0"/>
+              <a:t>Motivação</a:t>
+            </a:r>
+          </a:p>
+          <a:p>
+            <a:pPr marL="431800" indent="-323850">
+              <a:buSzPct val="45000"/>
+              <a:buFont typeface="Wingdings" pitchFamily="2" charset="2"/>
+              <a:buChar char=""/>
+              <a:tabLst>
+                <a:tab pos="449263" algn="l"/>
+                <a:tab pos="898525" algn="l"/>
+                <a:tab pos="1347788" algn="l"/>
+                <a:tab pos="1797050" algn="l"/>
+                <a:tab pos="2246313" algn="l"/>
+                <a:tab pos="2695575" algn="l"/>
+                <a:tab pos="3144838" algn="l"/>
+                <a:tab pos="3594100" algn="l"/>
+                <a:tab pos="4043363" algn="l"/>
+                <a:tab pos="4492625" algn="l"/>
+                <a:tab pos="4941888" algn="l"/>
+                <a:tab pos="5391150" algn="l"/>
+                <a:tab pos="5840413" algn="l"/>
+                <a:tab pos="6289675" algn="l"/>
+                <a:tab pos="6738938" algn="l"/>
+                <a:tab pos="7188200" algn="l"/>
+                <a:tab pos="7637463" algn="l"/>
+                <a:tab pos="8086725" algn="l"/>
+                <a:tab pos="8535988" algn="l"/>
+                <a:tab pos="8985250" algn="l"/>
+              </a:tabLst>
+            </a:pPr>
+            <a:r>
+              <a:rPr lang="pt-PT" altLang="pt-PT" dirty="0"/>
+              <a:t>Objetivos</a:t>
+            </a:r>
+          </a:p>
+          <a:p>
+            <a:pPr marL="431800" indent="-323850">
+              <a:buSzPct val="45000"/>
+              <a:buFont typeface="Wingdings" pitchFamily="2" charset="2"/>
+              <a:buChar char=""/>
+              <a:tabLst>
+                <a:tab pos="449263" algn="l"/>
+                <a:tab pos="898525" algn="l"/>
+                <a:tab pos="1347788" algn="l"/>
+                <a:tab pos="1797050" algn="l"/>
+                <a:tab pos="2246313" algn="l"/>
+                <a:tab pos="2695575" algn="l"/>
+                <a:tab pos="3144838" algn="l"/>
+                <a:tab pos="3594100" algn="l"/>
+                <a:tab pos="4043363" algn="l"/>
+                <a:tab pos="4492625" algn="l"/>
+                <a:tab pos="4941888" algn="l"/>
+                <a:tab pos="5391150" algn="l"/>
+                <a:tab pos="5840413" algn="l"/>
+                <a:tab pos="6289675" algn="l"/>
+                <a:tab pos="6738938" algn="l"/>
+                <a:tab pos="7188200" algn="l"/>
+                <a:tab pos="7637463" algn="l"/>
+                <a:tab pos="8086725" algn="l"/>
+                <a:tab pos="8535988" algn="l"/>
+                <a:tab pos="8985250" algn="l"/>
+              </a:tabLst>
+            </a:pPr>
+            <a:r>
+              <a:rPr lang="pt-PT" altLang="pt-PT" dirty="0"/>
+              <a:t>Arquitetura do sistema</a:t>
+            </a:r>
+          </a:p>
+          <a:p>
+            <a:pPr marL="431800" indent="-323850">
+              <a:buSzPct val="45000"/>
+              <a:buFont typeface="Wingdings" pitchFamily="2" charset="2"/>
+              <a:buChar char=""/>
+              <a:tabLst>
+                <a:tab pos="449263" algn="l"/>
+                <a:tab pos="898525" algn="l"/>
+                <a:tab pos="1347788" algn="l"/>
+                <a:tab pos="1797050" algn="l"/>
+                <a:tab pos="2246313" algn="l"/>
+                <a:tab pos="2695575" algn="l"/>
+                <a:tab pos="3144838" algn="l"/>
+                <a:tab pos="3594100" algn="l"/>
+                <a:tab pos="4043363" algn="l"/>
+                <a:tab pos="4492625" algn="l"/>
+                <a:tab pos="4941888" algn="l"/>
+                <a:tab pos="5391150" algn="l"/>
+                <a:tab pos="5840413" algn="l"/>
+                <a:tab pos="6289675" algn="l"/>
+                <a:tab pos="6738938" algn="l"/>
+                <a:tab pos="7188200" algn="l"/>
+                <a:tab pos="7637463" algn="l"/>
+                <a:tab pos="8086725" algn="l"/>
+                <a:tab pos="8535988" algn="l"/>
+                <a:tab pos="8985250" algn="l"/>
+              </a:tabLst>
+            </a:pPr>
+            <a:r>
+              <a:rPr lang="pt-PT" altLang="pt-PT" dirty="0"/>
+              <a:t>Resultados </a:t>
+            </a:r>
+          </a:p>
+          <a:p>
+            <a:pPr marL="431800" indent="-323850">
+              <a:buSzPct val="45000"/>
+              <a:buFont typeface="Wingdings" pitchFamily="2" charset="2"/>
+              <a:buChar char=""/>
+              <a:tabLst>
+                <a:tab pos="449263" algn="l"/>
+                <a:tab pos="898525" algn="l"/>
+                <a:tab pos="1347788" algn="l"/>
+                <a:tab pos="1797050" algn="l"/>
+                <a:tab pos="2246313" algn="l"/>
+                <a:tab pos="2695575" algn="l"/>
+                <a:tab pos="3144838" algn="l"/>
+                <a:tab pos="3594100" algn="l"/>
+                <a:tab pos="4043363" algn="l"/>
+                <a:tab pos="4492625" algn="l"/>
+                <a:tab pos="4941888" algn="l"/>
+                <a:tab pos="5391150" algn="l"/>
+                <a:tab pos="5840413" algn="l"/>
+                <a:tab pos="6289675" algn="l"/>
+                <a:tab pos="6738938" algn="l"/>
+                <a:tab pos="7188200" algn="l"/>
+                <a:tab pos="7637463" algn="l"/>
+                <a:tab pos="8086725" algn="l"/>
+                <a:tab pos="8535988" algn="l"/>
+                <a:tab pos="8985250" algn="l"/>
+              </a:tabLst>
+            </a:pPr>
+            <a:r>
+              <a:rPr lang="pt-PT" altLang="pt-PT" dirty="0"/>
+              <a:t>Conclusão</a:t>
+            </a:r>
+          </a:p>
+        </p:txBody>
+      </p:sp>
+    </p:spTree>
+    <p:extLst>
+      <p:ext uri="{BB962C8B-B14F-4D97-AF65-F5344CB8AC3E}">
+        <p14:creationId xmlns:p14="http://schemas.microsoft.com/office/powerpoint/2010/main" val="3407325904"/>
+      </p:ext>
+    </p:extLst>
+  </p:cSld>
+  <p:clrMapOvr>
+    <a:masterClrMapping/>
+  </p:clrMapOvr>
+</p:sld>
+</file>
+
 <file path=ppt/theme/theme1.xml><?xml version="1.0" encoding="utf-8"?>
 <a:theme xmlns:a="http://schemas.openxmlformats.org/drawingml/2006/main" name="Tema do Office">
   <a:themeElements>

--- a/Apresentacao/apr1.pptx
+++ b/Apresentacao/apr1.pptx
@@ -105,6 +105,11 @@
       </a:defRPr>
     </a:lvl9pPr>
   </p:defaultTextStyle>
+  <p:extLst>
+    <p:ext uri="{EFAFB233-063F-42B5-8137-9DF3F51BA10A}">
+      <p15:sldGuideLst xmlns:p15="http://schemas.microsoft.com/office/powerpoint/2012/main"/>
+    </p:ext>
+  </p:extLst>
 </p:presentation>
 </file>
 
@@ -3527,19 +3532,19 @@
         </p:nvSpPr>
         <p:spPr>
           <a:xfrm>
-            <a:off x="8977745" y="3728851"/>
-            <a:ext cx="3214233" cy="3129149"/>
+            <a:off x="9229344" y="4108704"/>
+            <a:ext cx="2962634" cy="2749296"/>
           </a:xfrm>
         </p:spPr>
         <p:txBody>
           <a:bodyPr anchor="t">
-            <a:normAutofit lnSpcReduction="10000"/>
+            <a:normAutofit/>
           </a:bodyPr>
           <a:lstStyle/>
           <a:p>
             <a:pPr algn="l"/>
             <a:r>
-              <a:rPr lang="pt-PT" sz="2000" dirty="0"/>
+              <a:rPr lang="pt-PT" sz="1600" dirty="0"/>
               <a:t>Lei 18/19 – Gr. 16:</a:t>
             </a:r>
           </a:p>
@@ -3549,7 +3554,7 @@
               <a:buChar char="•"/>
             </a:pPr>
             <a:r>
-              <a:rPr lang="pt-PT" sz="2000" dirty="0"/>
+              <a:rPr lang="pt-PT" sz="1600" dirty="0"/>
               <a:t>André Salgueiro – A77617</a:t>
             </a:r>
           </a:p>
@@ -3559,7 +3564,7 @@
               <a:buChar char="•"/>
             </a:pPr>
             <a:r>
-              <a:rPr lang="pt-PT" sz="2000" dirty="0"/>
+              <a:rPr lang="pt-PT" sz="1600" dirty="0"/>
               <a:t>Bruno Carvalho – A76987</a:t>
             </a:r>
           </a:p>
@@ -3569,18 +3574,18 @@
               <a:buChar char="•"/>
             </a:pPr>
             <a:r>
-              <a:rPr lang="pt-PT" sz="2000" dirty="0"/>
+              <a:rPr lang="pt-PT" sz="1600" dirty="0"/>
               <a:t>Fábio Araújo – A78508</a:t>
             </a:r>
           </a:p>
           <a:p>
             <a:pPr algn="l"/>
-            <a:endParaRPr lang="pt-PT" sz="2000" dirty="0"/>
+            <a:endParaRPr lang="pt-PT" sz="1600" dirty="0"/>
           </a:p>
           <a:p>
             <a:pPr algn="l"/>
             <a:r>
-              <a:rPr lang="pt-PT" sz="2000" dirty="0"/>
+              <a:rPr lang="pt-PT" sz="1600" dirty="0"/>
               <a:t>Orientadores:</a:t>
             </a:r>
           </a:p>
@@ -3590,7 +3595,7 @@
               <a:buChar char="•"/>
             </a:pPr>
             <a:r>
-              <a:rPr lang="pt-PT" sz="2000" dirty="0"/>
+              <a:rPr lang="pt-PT" sz="1600" dirty="0"/>
               <a:t>Pedro Rangel Henriques</a:t>
             </a:r>
           </a:p>
@@ -3600,7 +3605,7 @@
               <a:buChar char="•"/>
             </a:pPr>
             <a:r>
-              <a:rPr lang="pt-PT" sz="2000" dirty="0"/>
+              <a:rPr lang="pt-PT" sz="1600" dirty="0"/>
               <a:t>Cristiana Araújo</a:t>
             </a:r>
           </a:p>
